--- a/PPT/20231205_spring_di.pptx
+++ b/PPT/20231205_spring_di.pptx
@@ -294,7 +294,8 @@
           <a:p>
             <a:fld id="{C1812F12-4F4E-4F9F-A971-9FA64E8C2A1D}" type="datetimeFigureOut">
               <a:rPr lang="ko-KR" altLang="en-US" smtClean="0"/>
-              <a:t>2023-12-06</a:t>
+              <a:pPr/>
+              <a:t>2023-12-07</a:t>
             </a:fld>
             <a:endParaRPr lang="ko-KR" altLang="en-US"/>
           </a:p>
@@ -336,6 +337,7 @@
           <a:p>
             <a:fld id="{FD0128AB-A4D4-4CC3-85AB-7DA98FD1ED2A}" type="slidenum">
               <a:rPr lang="ko-KR" altLang="en-US" smtClean="0"/>
+              <a:pPr/>
               <a:t>‹#›</a:t>
             </a:fld>
             <a:endParaRPr lang="ko-KR" altLang="en-US"/>
@@ -459,7 +461,8 @@
           <a:p>
             <a:fld id="{C1812F12-4F4E-4F9F-A971-9FA64E8C2A1D}" type="datetimeFigureOut">
               <a:rPr lang="ko-KR" altLang="en-US" smtClean="0"/>
-              <a:t>2023-12-06</a:t>
+              <a:pPr/>
+              <a:t>2023-12-07</a:t>
             </a:fld>
             <a:endParaRPr lang="ko-KR" altLang="en-US"/>
           </a:p>
@@ -501,6 +504,7 @@
           <a:p>
             <a:fld id="{FD0128AB-A4D4-4CC3-85AB-7DA98FD1ED2A}" type="slidenum">
               <a:rPr lang="ko-KR" altLang="en-US" smtClean="0"/>
+              <a:pPr/>
               <a:t>‹#›</a:t>
             </a:fld>
             <a:endParaRPr lang="ko-KR" altLang="en-US"/>
@@ -634,7 +638,8 @@
           <a:p>
             <a:fld id="{C1812F12-4F4E-4F9F-A971-9FA64E8C2A1D}" type="datetimeFigureOut">
               <a:rPr lang="ko-KR" altLang="en-US" smtClean="0"/>
-              <a:t>2023-12-06</a:t>
+              <a:pPr/>
+              <a:t>2023-12-07</a:t>
             </a:fld>
             <a:endParaRPr lang="ko-KR" altLang="en-US"/>
           </a:p>
@@ -676,6 +681,7 @@
           <a:p>
             <a:fld id="{FD0128AB-A4D4-4CC3-85AB-7DA98FD1ED2A}" type="slidenum">
               <a:rPr lang="ko-KR" altLang="en-US" smtClean="0"/>
+              <a:pPr/>
               <a:t>‹#›</a:t>
             </a:fld>
             <a:endParaRPr lang="ko-KR" altLang="en-US"/>
@@ -799,7 +805,8 @@
           <a:p>
             <a:fld id="{C1812F12-4F4E-4F9F-A971-9FA64E8C2A1D}" type="datetimeFigureOut">
               <a:rPr lang="ko-KR" altLang="en-US" smtClean="0"/>
-              <a:t>2023-12-06</a:t>
+              <a:pPr/>
+              <a:t>2023-12-07</a:t>
             </a:fld>
             <a:endParaRPr lang="ko-KR" altLang="en-US"/>
           </a:p>
@@ -841,6 +848,7 @@
           <a:p>
             <a:fld id="{FD0128AB-A4D4-4CC3-85AB-7DA98FD1ED2A}" type="slidenum">
               <a:rPr lang="ko-KR" altLang="en-US" smtClean="0"/>
+              <a:pPr/>
               <a:t>‹#›</a:t>
             </a:fld>
             <a:endParaRPr lang="ko-KR" altLang="en-US"/>
@@ -1040,7 +1048,8 @@
           <a:p>
             <a:fld id="{C1812F12-4F4E-4F9F-A971-9FA64E8C2A1D}" type="datetimeFigureOut">
               <a:rPr lang="ko-KR" altLang="en-US" smtClean="0"/>
-              <a:t>2023-12-06</a:t>
+              <a:pPr/>
+              <a:t>2023-12-07</a:t>
             </a:fld>
             <a:endParaRPr lang="ko-KR" altLang="en-US"/>
           </a:p>
@@ -1082,6 +1091,7 @@
           <a:p>
             <a:fld id="{FD0128AB-A4D4-4CC3-85AB-7DA98FD1ED2A}" type="slidenum">
               <a:rPr lang="ko-KR" altLang="en-US" smtClean="0"/>
+              <a:pPr/>
               <a:t>‹#›</a:t>
             </a:fld>
             <a:endParaRPr lang="ko-KR" altLang="en-US"/>
@@ -1323,7 +1333,8 @@
           <a:p>
             <a:fld id="{C1812F12-4F4E-4F9F-A971-9FA64E8C2A1D}" type="datetimeFigureOut">
               <a:rPr lang="ko-KR" altLang="en-US" smtClean="0"/>
-              <a:t>2023-12-06</a:t>
+              <a:pPr/>
+              <a:t>2023-12-07</a:t>
             </a:fld>
             <a:endParaRPr lang="ko-KR" altLang="en-US"/>
           </a:p>
@@ -1365,6 +1376,7 @@
           <a:p>
             <a:fld id="{FD0128AB-A4D4-4CC3-85AB-7DA98FD1ED2A}" type="slidenum">
               <a:rPr lang="ko-KR" altLang="en-US" smtClean="0"/>
+              <a:pPr/>
               <a:t>‹#›</a:t>
             </a:fld>
             <a:endParaRPr lang="ko-KR" altLang="en-US"/>
@@ -1740,7 +1752,8 @@
           <a:p>
             <a:fld id="{C1812F12-4F4E-4F9F-A971-9FA64E8C2A1D}" type="datetimeFigureOut">
               <a:rPr lang="ko-KR" altLang="en-US" smtClean="0"/>
-              <a:t>2023-12-06</a:t>
+              <a:pPr/>
+              <a:t>2023-12-07</a:t>
             </a:fld>
             <a:endParaRPr lang="ko-KR" altLang="en-US"/>
           </a:p>
@@ -1782,6 +1795,7 @@
           <a:p>
             <a:fld id="{FD0128AB-A4D4-4CC3-85AB-7DA98FD1ED2A}" type="slidenum">
               <a:rPr lang="ko-KR" altLang="en-US" smtClean="0"/>
+              <a:pPr/>
               <a:t>‹#›</a:t>
             </a:fld>
             <a:endParaRPr lang="ko-KR" altLang="en-US"/>
@@ -1853,7 +1867,8 @@
           <a:p>
             <a:fld id="{C1812F12-4F4E-4F9F-A971-9FA64E8C2A1D}" type="datetimeFigureOut">
               <a:rPr lang="ko-KR" altLang="en-US" smtClean="0"/>
-              <a:t>2023-12-06</a:t>
+              <a:pPr/>
+              <a:t>2023-12-07</a:t>
             </a:fld>
             <a:endParaRPr lang="ko-KR" altLang="en-US"/>
           </a:p>
@@ -1895,6 +1910,7 @@
           <a:p>
             <a:fld id="{FD0128AB-A4D4-4CC3-85AB-7DA98FD1ED2A}" type="slidenum">
               <a:rPr lang="ko-KR" altLang="en-US" smtClean="0"/>
+              <a:pPr/>
               <a:t>‹#›</a:t>
             </a:fld>
             <a:endParaRPr lang="ko-KR" altLang="en-US"/>
@@ -1943,7 +1959,8 @@
           <a:p>
             <a:fld id="{C1812F12-4F4E-4F9F-A971-9FA64E8C2A1D}" type="datetimeFigureOut">
               <a:rPr lang="ko-KR" altLang="en-US" smtClean="0"/>
-              <a:t>2023-12-06</a:t>
+              <a:pPr/>
+              <a:t>2023-12-07</a:t>
             </a:fld>
             <a:endParaRPr lang="ko-KR" altLang="en-US"/>
           </a:p>
@@ -1985,6 +2002,7 @@
           <a:p>
             <a:fld id="{FD0128AB-A4D4-4CC3-85AB-7DA98FD1ED2A}" type="slidenum">
               <a:rPr lang="ko-KR" altLang="en-US" smtClean="0"/>
+              <a:pPr/>
               <a:t>‹#›</a:t>
             </a:fld>
             <a:endParaRPr lang="ko-KR" altLang="en-US"/>
@@ -2215,7 +2233,8 @@
           <a:p>
             <a:fld id="{C1812F12-4F4E-4F9F-A971-9FA64E8C2A1D}" type="datetimeFigureOut">
               <a:rPr lang="ko-KR" altLang="en-US" smtClean="0"/>
-              <a:t>2023-12-06</a:t>
+              <a:pPr/>
+              <a:t>2023-12-07</a:t>
             </a:fld>
             <a:endParaRPr lang="ko-KR" altLang="en-US"/>
           </a:p>
@@ -2257,6 +2276,7 @@
           <a:p>
             <a:fld id="{FD0128AB-A4D4-4CC3-85AB-7DA98FD1ED2A}" type="slidenum">
               <a:rPr lang="ko-KR" altLang="en-US" smtClean="0"/>
+              <a:pPr/>
               <a:t>‹#›</a:t>
             </a:fld>
             <a:endParaRPr lang="ko-KR" altLang="en-US"/>
@@ -2463,7 +2483,8 @@
           <a:p>
             <a:fld id="{C1812F12-4F4E-4F9F-A971-9FA64E8C2A1D}" type="datetimeFigureOut">
               <a:rPr lang="ko-KR" altLang="en-US" smtClean="0"/>
-              <a:t>2023-12-06</a:t>
+              <a:pPr/>
+              <a:t>2023-12-07</a:t>
             </a:fld>
             <a:endParaRPr lang="ko-KR" altLang="en-US"/>
           </a:p>
@@ -2505,6 +2526,7 @@
           <a:p>
             <a:fld id="{FD0128AB-A4D4-4CC3-85AB-7DA98FD1ED2A}" type="slidenum">
               <a:rPr lang="ko-KR" altLang="en-US" smtClean="0"/>
+              <a:pPr/>
               <a:t>‹#›</a:t>
             </a:fld>
             <a:endParaRPr lang="ko-KR" altLang="en-US"/>
@@ -2671,7 +2693,8 @@
           <a:p>
             <a:fld id="{C1812F12-4F4E-4F9F-A971-9FA64E8C2A1D}" type="datetimeFigureOut">
               <a:rPr lang="ko-KR" altLang="en-US" smtClean="0"/>
-              <a:t>2023-12-06</a:t>
+              <a:pPr/>
+              <a:t>2023-12-07</a:t>
             </a:fld>
             <a:endParaRPr lang="ko-KR" altLang="en-US"/>
           </a:p>
@@ -2749,6 +2772,7 @@
           <a:p>
             <a:fld id="{FD0128AB-A4D4-4CC3-85AB-7DA98FD1ED2A}" type="slidenum">
               <a:rPr lang="ko-KR" altLang="en-US" smtClean="0"/>
+              <a:pPr/>
               <a:t>‹#›</a:t>
             </a:fld>
             <a:endParaRPr lang="ko-KR" altLang="en-US"/>
@@ -5207,6 +5231,66 @@
           </a:p>
         </p:txBody>
       </p:sp>
+      <p:cxnSp>
+        <p:nvCxnSpPr>
+          <p:cNvPr id="29" name="직선 연결선 28"/>
+          <p:cNvCxnSpPr/>
+          <p:nvPr/>
+        </p:nvCxnSpPr>
+        <p:spPr>
+          <a:xfrm rot="5400000" flipH="1" flipV="1">
+            <a:off x="1571604" y="214290"/>
+            <a:ext cx="214314" cy="214314"/>
+          </a:xfrm>
+          <a:prstGeom prst="line">
+            <a:avLst/>
+          </a:prstGeom>
+        </p:spPr>
+        <p:style>
+          <a:lnRef idx="1">
+            <a:schemeClr val="accent1"/>
+          </a:lnRef>
+          <a:fillRef idx="0">
+            <a:schemeClr val="accent1"/>
+          </a:fillRef>
+          <a:effectRef idx="0">
+            <a:schemeClr val="accent1"/>
+          </a:effectRef>
+          <a:fontRef idx="minor">
+            <a:schemeClr val="tx1"/>
+          </a:fontRef>
+        </p:style>
+      </p:cxnSp>
+      <p:sp>
+        <p:nvSpPr>
+          <p:cNvPr id="30" name="TextBox 29"/>
+          <p:cNvSpPr txBox="1"/>
+          <p:nvPr/>
+        </p:nvSpPr>
+        <p:spPr>
+          <a:xfrm>
+            <a:off x="1785918" y="0"/>
+            <a:ext cx="1261884" cy="307777"/>
+          </a:xfrm>
+          <a:prstGeom prst="rect">
+            <a:avLst/>
+          </a:prstGeom>
+          <a:noFill/>
+        </p:spPr>
+        <p:txBody>
+          <a:bodyPr wrap="none" rtlCol="0">
+            <a:spAutoFit/>
+          </a:bodyPr>
+          <a:lstStyle/>
+          <a:p>
+            <a:r>
+              <a:rPr lang="ko-KR" altLang="en-US" sz="1400" dirty="0" smtClean="0"/>
+              <a:t>설정파일방식</a:t>
+            </a:r>
+            <a:endParaRPr lang="ko-KR" altLang="en-US" sz="1400" dirty="0"/>
+          </a:p>
+        </p:txBody>
+      </p:sp>
     </p:spTree>
   </p:cSld>
   <p:clrMapOvr>
@@ -6304,15 +6388,15 @@
               <a:t> </a:t>
             </a:r>
             <a:r>
-              <a:rPr lang="en-US" altLang="ko-KR" sz="1600" dirty="0" smtClean="0"/>
+              <a:rPr lang="en-US" altLang="ko-KR" sz="1600" b="1" dirty="0" smtClean="0"/>
               <a:t>&lt;</a:t>
             </a:r>
             <a:r>
-              <a:rPr lang="en-US" altLang="ko-KR" sz="1600" dirty="0" err="1" smtClean="0"/>
+              <a:rPr lang="en-US" altLang="ko-KR" sz="1600" b="1" dirty="0" err="1" smtClean="0"/>
               <a:t>context:annotation-config</a:t>
             </a:r>
             <a:r>
-              <a:rPr lang="en-US" altLang="ko-KR" sz="1600" dirty="0" smtClean="0"/>
+              <a:rPr lang="en-US" altLang="ko-KR" sz="1600" b="1" dirty="0" smtClean="0"/>
               <a:t>/&gt;</a:t>
             </a:r>
           </a:p>
@@ -7004,11 +7088,23 @@
             </a:r>
             <a:r>
               <a:rPr lang="en-US" altLang="ko-KR" sz="1600" dirty="0" smtClean="0"/>
-              <a:t>jar</a:t>
+              <a:t>jar </a:t>
             </a:r>
             <a:r>
               <a:rPr lang="ko-KR" altLang="en-US" sz="1600" dirty="0" smtClean="0"/>
-              <a:t>는 독립적으로 실행될 수 있다</a:t>
+              <a:t>또는 </a:t>
+            </a:r>
+            <a:r>
+              <a:rPr lang="en-US" altLang="ko-KR" sz="1600" dirty="0" smtClean="0"/>
+              <a:t>war</a:t>
+            </a:r>
+            <a:r>
+              <a:rPr lang="ko-KR" altLang="en-US" sz="1600" dirty="0" smtClean="0"/>
+              <a:t>는 </a:t>
+            </a:r>
+            <a:r>
+              <a:rPr lang="ko-KR" altLang="en-US" sz="1600" dirty="0" smtClean="0"/>
+              <a:t>독립적으로 실행될 수 있다</a:t>
             </a:r>
             <a:r>
               <a:rPr lang="en-US" altLang="ko-KR" sz="1600" dirty="0" smtClean="0"/>
@@ -7374,6 +7470,580 @@
           </a:p>
         </p:txBody>
       </p:sp>
+      <p:cxnSp>
+        <p:nvCxnSpPr>
+          <p:cNvPr id="14" name="직선 화살표 연결선 13"/>
+          <p:cNvCxnSpPr/>
+          <p:nvPr/>
+        </p:nvCxnSpPr>
+        <p:spPr>
+          <a:xfrm rot="10800000" flipV="1">
+            <a:off x="2714612" y="3500438"/>
+            <a:ext cx="785818" cy="357190"/>
+          </a:xfrm>
+          <a:prstGeom prst="straightConnector1">
+            <a:avLst/>
+          </a:prstGeom>
+          <a:ln>
+            <a:tailEnd type="arrow"/>
+          </a:ln>
+        </p:spPr>
+        <p:style>
+          <a:lnRef idx="1">
+            <a:schemeClr val="accent1"/>
+          </a:lnRef>
+          <a:fillRef idx="0">
+            <a:schemeClr val="accent1"/>
+          </a:fillRef>
+          <a:effectRef idx="0">
+            <a:schemeClr val="accent1"/>
+          </a:effectRef>
+          <a:fontRef idx="minor">
+            <a:schemeClr val="tx1"/>
+          </a:fontRef>
+        </p:style>
+      </p:cxnSp>
+      <p:sp>
+        <p:nvSpPr>
+          <p:cNvPr id="16" name="TextBox 15"/>
+          <p:cNvSpPr txBox="1"/>
+          <p:nvPr/>
+        </p:nvSpPr>
+        <p:spPr>
+          <a:xfrm>
+            <a:off x="3357554" y="3286124"/>
+            <a:ext cx="1599540" cy="276999"/>
+          </a:xfrm>
+          <a:prstGeom prst="rect">
+            <a:avLst/>
+          </a:prstGeom>
+          <a:noFill/>
+        </p:spPr>
+        <p:txBody>
+          <a:bodyPr wrap="none" rtlCol="0">
+            <a:spAutoFit/>
+          </a:bodyPr>
+          <a:lstStyle/>
+          <a:p>
+            <a:r>
+              <a:rPr lang="en-US" altLang="ko-KR" sz="1200" dirty="0" smtClean="0"/>
+              <a:t>jar</a:t>
+            </a:r>
+            <a:r>
+              <a:rPr lang="ko-KR" altLang="en-US" sz="1200" dirty="0" smtClean="0"/>
+              <a:t>또는 </a:t>
+            </a:r>
+            <a:r>
+              <a:rPr lang="en-US" altLang="ko-KR" sz="1200" dirty="0" smtClean="0"/>
+              <a:t>war</a:t>
+            </a:r>
+            <a:r>
+              <a:rPr lang="ko-KR" altLang="en-US" sz="1200" dirty="0" smtClean="0"/>
+              <a:t>선택가능</a:t>
+            </a:r>
+            <a:endParaRPr lang="ko-KR" altLang="en-US" sz="1200" dirty="0"/>
+          </a:p>
+        </p:txBody>
+      </p:sp>
+      <p:sp>
+        <p:nvSpPr>
+          <p:cNvPr id="18" name="자유형 17"/>
+          <p:cNvSpPr/>
+          <p:nvPr/>
+        </p:nvSpPr>
+        <p:spPr>
+          <a:xfrm>
+            <a:off x="2053400" y="4952396"/>
+            <a:ext cx="1921700" cy="1581754"/>
+          </a:xfrm>
+          <a:custGeom>
+            <a:avLst/>
+            <a:gdLst>
+              <a:gd name="connsiteX0" fmla="*/ 4000 w 1921700"/>
+              <a:gd name="connsiteY0" fmla="*/ 1302354 h 1581754"/>
+              <a:gd name="connsiteX1" fmla="*/ 29400 w 1921700"/>
+              <a:gd name="connsiteY1" fmla="*/ 1365854 h 1581754"/>
+              <a:gd name="connsiteX2" fmla="*/ 35750 w 1921700"/>
+              <a:gd name="connsiteY2" fmla="*/ 1384904 h 1581754"/>
+              <a:gd name="connsiteX3" fmla="*/ 80200 w 1921700"/>
+              <a:gd name="connsiteY3" fmla="*/ 1448404 h 1581754"/>
+              <a:gd name="connsiteX4" fmla="*/ 105600 w 1921700"/>
+              <a:gd name="connsiteY4" fmla="*/ 1461104 h 1581754"/>
+              <a:gd name="connsiteX5" fmla="*/ 118300 w 1921700"/>
+              <a:gd name="connsiteY5" fmla="*/ 1480154 h 1581754"/>
+              <a:gd name="connsiteX6" fmla="*/ 143700 w 1921700"/>
+              <a:gd name="connsiteY6" fmla="*/ 1486504 h 1581754"/>
+              <a:gd name="connsiteX7" fmla="*/ 162750 w 1921700"/>
+              <a:gd name="connsiteY7" fmla="*/ 1492854 h 1581754"/>
+              <a:gd name="connsiteX8" fmla="*/ 181800 w 1921700"/>
+              <a:gd name="connsiteY8" fmla="*/ 1505554 h 1581754"/>
+              <a:gd name="connsiteX9" fmla="*/ 219900 w 1921700"/>
+              <a:gd name="connsiteY9" fmla="*/ 1511904 h 1581754"/>
+              <a:gd name="connsiteX10" fmla="*/ 346900 w 1921700"/>
+              <a:gd name="connsiteY10" fmla="*/ 1556354 h 1581754"/>
+              <a:gd name="connsiteX11" fmla="*/ 372300 w 1921700"/>
+              <a:gd name="connsiteY11" fmla="*/ 1569054 h 1581754"/>
+              <a:gd name="connsiteX12" fmla="*/ 429450 w 1921700"/>
+              <a:gd name="connsiteY12" fmla="*/ 1575404 h 1581754"/>
+              <a:gd name="connsiteX13" fmla="*/ 454850 w 1921700"/>
+              <a:gd name="connsiteY13" fmla="*/ 1581754 h 1581754"/>
+              <a:gd name="connsiteX14" fmla="*/ 683450 w 1921700"/>
+              <a:gd name="connsiteY14" fmla="*/ 1569054 h 1581754"/>
+              <a:gd name="connsiteX15" fmla="*/ 791400 w 1921700"/>
+              <a:gd name="connsiteY15" fmla="*/ 1537304 h 1581754"/>
+              <a:gd name="connsiteX16" fmla="*/ 854900 w 1921700"/>
+              <a:gd name="connsiteY16" fmla="*/ 1524604 h 1581754"/>
+              <a:gd name="connsiteX17" fmla="*/ 988250 w 1921700"/>
+              <a:gd name="connsiteY17" fmla="*/ 1486504 h 1581754"/>
+              <a:gd name="connsiteX18" fmla="*/ 1045400 w 1921700"/>
+              <a:gd name="connsiteY18" fmla="*/ 1467454 h 1581754"/>
+              <a:gd name="connsiteX19" fmla="*/ 1134300 w 1921700"/>
+              <a:gd name="connsiteY19" fmla="*/ 1448404 h 1581754"/>
+              <a:gd name="connsiteX20" fmla="*/ 1210500 w 1921700"/>
+              <a:gd name="connsiteY20" fmla="*/ 1423004 h 1581754"/>
+              <a:gd name="connsiteX21" fmla="*/ 1248600 w 1921700"/>
+              <a:gd name="connsiteY21" fmla="*/ 1410304 h 1581754"/>
+              <a:gd name="connsiteX22" fmla="*/ 1293050 w 1921700"/>
+              <a:gd name="connsiteY22" fmla="*/ 1334104 h 1581754"/>
+              <a:gd name="connsiteX23" fmla="*/ 1305750 w 1921700"/>
+              <a:gd name="connsiteY23" fmla="*/ 1302354 h 1581754"/>
+              <a:gd name="connsiteX24" fmla="*/ 1312100 w 1921700"/>
+              <a:gd name="connsiteY24" fmla="*/ 1283304 h 1581754"/>
+              <a:gd name="connsiteX25" fmla="*/ 1331150 w 1921700"/>
+              <a:gd name="connsiteY25" fmla="*/ 1257904 h 1581754"/>
+              <a:gd name="connsiteX26" fmla="*/ 1343850 w 1921700"/>
+              <a:gd name="connsiteY26" fmla="*/ 1213454 h 1581754"/>
+              <a:gd name="connsiteX27" fmla="*/ 1350200 w 1921700"/>
+              <a:gd name="connsiteY27" fmla="*/ 1194404 h 1581754"/>
+              <a:gd name="connsiteX28" fmla="*/ 1369250 w 1921700"/>
+              <a:gd name="connsiteY28" fmla="*/ 1067404 h 1581754"/>
+              <a:gd name="connsiteX29" fmla="*/ 1375600 w 1921700"/>
+              <a:gd name="connsiteY29" fmla="*/ 807054 h 1581754"/>
+              <a:gd name="connsiteX30" fmla="*/ 1388300 w 1921700"/>
+              <a:gd name="connsiteY30" fmla="*/ 464154 h 1581754"/>
+              <a:gd name="connsiteX31" fmla="*/ 1401000 w 1921700"/>
+              <a:gd name="connsiteY31" fmla="*/ 368904 h 1581754"/>
+              <a:gd name="connsiteX32" fmla="*/ 1420050 w 1921700"/>
+              <a:gd name="connsiteY32" fmla="*/ 324454 h 1581754"/>
+              <a:gd name="connsiteX33" fmla="*/ 1439100 w 1921700"/>
+              <a:gd name="connsiteY33" fmla="*/ 267304 h 1581754"/>
+              <a:gd name="connsiteX34" fmla="*/ 1458150 w 1921700"/>
+              <a:gd name="connsiteY34" fmla="*/ 222854 h 1581754"/>
+              <a:gd name="connsiteX35" fmla="*/ 1477200 w 1921700"/>
+              <a:gd name="connsiteY35" fmla="*/ 203804 h 1581754"/>
+              <a:gd name="connsiteX36" fmla="*/ 1496250 w 1921700"/>
+              <a:gd name="connsiteY36" fmla="*/ 178404 h 1581754"/>
+              <a:gd name="connsiteX37" fmla="*/ 1515300 w 1921700"/>
+              <a:gd name="connsiteY37" fmla="*/ 159354 h 1581754"/>
+              <a:gd name="connsiteX38" fmla="*/ 1547050 w 1921700"/>
+              <a:gd name="connsiteY38" fmla="*/ 114904 h 1581754"/>
+              <a:gd name="connsiteX39" fmla="*/ 1578800 w 1921700"/>
+              <a:gd name="connsiteY39" fmla="*/ 76804 h 1581754"/>
+              <a:gd name="connsiteX40" fmla="*/ 1610550 w 1921700"/>
+              <a:gd name="connsiteY40" fmla="*/ 38704 h 1581754"/>
+              <a:gd name="connsiteX41" fmla="*/ 1629600 w 1921700"/>
+              <a:gd name="connsiteY41" fmla="*/ 32354 h 1581754"/>
+              <a:gd name="connsiteX42" fmla="*/ 1655000 w 1921700"/>
+              <a:gd name="connsiteY42" fmla="*/ 19654 h 1581754"/>
+              <a:gd name="connsiteX43" fmla="*/ 1750250 w 1921700"/>
+              <a:gd name="connsiteY43" fmla="*/ 6954 h 1581754"/>
+              <a:gd name="connsiteX44" fmla="*/ 1921700 w 1921700"/>
+              <a:gd name="connsiteY44" fmla="*/ 604 h 1581754"/>
+            </a:gdLst>
+            <a:ahLst/>
+            <a:cxnLst>
+              <a:cxn ang="0">
+                <a:pos x="connsiteX0" y="connsiteY0"/>
+              </a:cxn>
+              <a:cxn ang="0">
+                <a:pos x="connsiteX1" y="connsiteY1"/>
+              </a:cxn>
+              <a:cxn ang="0">
+                <a:pos x="connsiteX2" y="connsiteY2"/>
+              </a:cxn>
+              <a:cxn ang="0">
+                <a:pos x="connsiteX3" y="connsiteY3"/>
+              </a:cxn>
+              <a:cxn ang="0">
+                <a:pos x="connsiteX4" y="connsiteY4"/>
+              </a:cxn>
+              <a:cxn ang="0">
+                <a:pos x="connsiteX5" y="connsiteY5"/>
+              </a:cxn>
+              <a:cxn ang="0">
+                <a:pos x="connsiteX6" y="connsiteY6"/>
+              </a:cxn>
+              <a:cxn ang="0">
+                <a:pos x="connsiteX7" y="connsiteY7"/>
+              </a:cxn>
+              <a:cxn ang="0">
+                <a:pos x="connsiteX8" y="connsiteY8"/>
+              </a:cxn>
+              <a:cxn ang="0">
+                <a:pos x="connsiteX9" y="connsiteY9"/>
+              </a:cxn>
+              <a:cxn ang="0">
+                <a:pos x="connsiteX10" y="connsiteY10"/>
+              </a:cxn>
+              <a:cxn ang="0">
+                <a:pos x="connsiteX11" y="connsiteY11"/>
+              </a:cxn>
+              <a:cxn ang="0">
+                <a:pos x="connsiteX12" y="connsiteY12"/>
+              </a:cxn>
+              <a:cxn ang="0">
+                <a:pos x="connsiteX13" y="connsiteY13"/>
+              </a:cxn>
+              <a:cxn ang="0">
+                <a:pos x="connsiteX14" y="connsiteY14"/>
+              </a:cxn>
+              <a:cxn ang="0">
+                <a:pos x="connsiteX15" y="connsiteY15"/>
+              </a:cxn>
+              <a:cxn ang="0">
+                <a:pos x="connsiteX16" y="connsiteY16"/>
+              </a:cxn>
+              <a:cxn ang="0">
+                <a:pos x="connsiteX17" y="connsiteY17"/>
+              </a:cxn>
+              <a:cxn ang="0">
+                <a:pos x="connsiteX18" y="connsiteY18"/>
+              </a:cxn>
+              <a:cxn ang="0">
+                <a:pos x="connsiteX19" y="connsiteY19"/>
+              </a:cxn>
+              <a:cxn ang="0">
+                <a:pos x="connsiteX20" y="connsiteY20"/>
+              </a:cxn>
+              <a:cxn ang="0">
+                <a:pos x="connsiteX21" y="connsiteY21"/>
+              </a:cxn>
+              <a:cxn ang="0">
+                <a:pos x="connsiteX22" y="connsiteY22"/>
+              </a:cxn>
+              <a:cxn ang="0">
+                <a:pos x="connsiteX23" y="connsiteY23"/>
+              </a:cxn>
+              <a:cxn ang="0">
+                <a:pos x="connsiteX24" y="connsiteY24"/>
+              </a:cxn>
+              <a:cxn ang="0">
+                <a:pos x="connsiteX25" y="connsiteY25"/>
+              </a:cxn>
+              <a:cxn ang="0">
+                <a:pos x="connsiteX26" y="connsiteY26"/>
+              </a:cxn>
+              <a:cxn ang="0">
+                <a:pos x="connsiteX27" y="connsiteY27"/>
+              </a:cxn>
+              <a:cxn ang="0">
+                <a:pos x="connsiteX28" y="connsiteY28"/>
+              </a:cxn>
+              <a:cxn ang="0">
+                <a:pos x="connsiteX29" y="connsiteY29"/>
+              </a:cxn>
+              <a:cxn ang="0">
+                <a:pos x="connsiteX30" y="connsiteY30"/>
+              </a:cxn>
+              <a:cxn ang="0">
+                <a:pos x="connsiteX31" y="connsiteY31"/>
+              </a:cxn>
+              <a:cxn ang="0">
+                <a:pos x="connsiteX32" y="connsiteY32"/>
+              </a:cxn>
+              <a:cxn ang="0">
+                <a:pos x="connsiteX33" y="connsiteY33"/>
+              </a:cxn>
+              <a:cxn ang="0">
+                <a:pos x="connsiteX34" y="connsiteY34"/>
+              </a:cxn>
+              <a:cxn ang="0">
+                <a:pos x="connsiteX35" y="connsiteY35"/>
+              </a:cxn>
+              <a:cxn ang="0">
+                <a:pos x="connsiteX36" y="connsiteY36"/>
+              </a:cxn>
+              <a:cxn ang="0">
+                <a:pos x="connsiteX37" y="connsiteY37"/>
+              </a:cxn>
+              <a:cxn ang="0">
+                <a:pos x="connsiteX38" y="connsiteY38"/>
+              </a:cxn>
+              <a:cxn ang="0">
+                <a:pos x="connsiteX39" y="connsiteY39"/>
+              </a:cxn>
+              <a:cxn ang="0">
+                <a:pos x="connsiteX40" y="connsiteY40"/>
+              </a:cxn>
+              <a:cxn ang="0">
+                <a:pos x="connsiteX41" y="connsiteY41"/>
+              </a:cxn>
+              <a:cxn ang="0">
+                <a:pos x="connsiteX42" y="connsiteY42"/>
+              </a:cxn>
+              <a:cxn ang="0">
+                <a:pos x="connsiteX43" y="connsiteY43"/>
+              </a:cxn>
+              <a:cxn ang="0">
+                <a:pos x="connsiteX44" y="connsiteY44"/>
+              </a:cxn>
+            </a:cxnLst>
+            <a:rect l="l" t="t" r="r" b="b"/>
+            <a:pathLst>
+              <a:path w="1921700" h="1581754">
+                <a:moveTo>
+                  <a:pt x="4000" y="1302354"/>
+                </a:moveTo>
+                <a:cubicBezTo>
+                  <a:pt x="15283" y="1370054"/>
+                  <a:pt x="0" y="1314404"/>
+                  <a:pt x="29400" y="1365854"/>
+                </a:cubicBezTo>
+                <a:cubicBezTo>
+                  <a:pt x="32721" y="1371666"/>
+                  <a:pt x="32757" y="1378917"/>
+                  <a:pt x="35750" y="1384904"/>
+                </a:cubicBezTo>
+                <a:cubicBezTo>
+                  <a:pt x="44012" y="1401428"/>
+                  <a:pt x="66594" y="1436499"/>
+                  <a:pt x="80200" y="1448404"/>
+                </a:cubicBezTo>
+                <a:cubicBezTo>
+                  <a:pt x="87324" y="1454637"/>
+                  <a:pt x="97133" y="1456871"/>
+                  <a:pt x="105600" y="1461104"/>
+                </a:cubicBezTo>
+                <a:cubicBezTo>
+                  <a:pt x="109833" y="1467454"/>
+                  <a:pt x="111950" y="1475921"/>
+                  <a:pt x="118300" y="1480154"/>
+                </a:cubicBezTo>
+                <a:cubicBezTo>
+                  <a:pt x="125562" y="1484995"/>
+                  <a:pt x="135309" y="1484106"/>
+                  <a:pt x="143700" y="1486504"/>
+                </a:cubicBezTo>
+                <a:cubicBezTo>
+                  <a:pt x="150136" y="1488343"/>
+                  <a:pt x="156763" y="1489861"/>
+                  <a:pt x="162750" y="1492854"/>
+                </a:cubicBezTo>
+                <a:cubicBezTo>
+                  <a:pt x="169576" y="1496267"/>
+                  <a:pt x="174560" y="1503141"/>
+                  <a:pt x="181800" y="1505554"/>
+                </a:cubicBezTo>
+                <a:cubicBezTo>
+                  <a:pt x="194014" y="1509625"/>
+                  <a:pt x="207200" y="1509787"/>
+                  <a:pt x="219900" y="1511904"/>
+                </a:cubicBezTo>
+                <a:cubicBezTo>
+                  <a:pt x="320634" y="1555076"/>
+                  <a:pt x="276999" y="1544704"/>
+                  <a:pt x="346900" y="1556354"/>
+                </a:cubicBezTo>
+                <a:cubicBezTo>
+                  <a:pt x="355367" y="1560587"/>
+                  <a:pt x="363076" y="1566925"/>
+                  <a:pt x="372300" y="1569054"/>
+                </a:cubicBezTo>
+                <a:cubicBezTo>
+                  <a:pt x="390976" y="1573364"/>
+                  <a:pt x="410506" y="1572489"/>
+                  <a:pt x="429450" y="1575404"/>
+                </a:cubicBezTo>
+                <a:cubicBezTo>
+                  <a:pt x="438076" y="1576731"/>
+                  <a:pt x="446383" y="1579637"/>
+                  <a:pt x="454850" y="1581754"/>
+                </a:cubicBezTo>
+                <a:cubicBezTo>
+                  <a:pt x="531050" y="1577521"/>
+                  <a:pt x="607432" y="1575811"/>
+                  <a:pt x="683450" y="1569054"/>
+                </a:cubicBezTo>
+                <a:cubicBezTo>
+                  <a:pt x="743814" y="1563688"/>
+                  <a:pt x="735710" y="1552773"/>
+                  <a:pt x="791400" y="1537304"/>
+                </a:cubicBezTo>
+                <a:cubicBezTo>
+                  <a:pt x="812198" y="1531527"/>
+                  <a:pt x="833999" y="1529998"/>
+                  <a:pt x="854900" y="1524604"/>
+                </a:cubicBezTo>
+                <a:cubicBezTo>
+                  <a:pt x="899662" y="1513052"/>
+                  <a:pt x="944394" y="1501123"/>
+                  <a:pt x="988250" y="1486504"/>
+                </a:cubicBezTo>
+                <a:cubicBezTo>
+                  <a:pt x="1007300" y="1480154"/>
+                  <a:pt x="1026135" y="1473120"/>
+                  <a:pt x="1045400" y="1467454"/>
+                </a:cubicBezTo>
+                <a:cubicBezTo>
+                  <a:pt x="1086782" y="1455283"/>
+                  <a:pt x="1095144" y="1454930"/>
+                  <a:pt x="1134300" y="1448404"/>
+                </a:cubicBezTo>
+                <a:cubicBezTo>
+                  <a:pt x="1203070" y="1414019"/>
+                  <a:pt x="1141026" y="1440373"/>
+                  <a:pt x="1210500" y="1423004"/>
+                </a:cubicBezTo>
+                <a:cubicBezTo>
+                  <a:pt x="1223487" y="1419757"/>
+                  <a:pt x="1248600" y="1410304"/>
+                  <a:pt x="1248600" y="1410304"/>
+                </a:cubicBezTo>
+                <a:cubicBezTo>
+                  <a:pt x="1264934" y="1385804"/>
+                  <a:pt x="1281050" y="1361104"/>
+                  <a:pt x="1293050" y="1334104"/>
+                </a:cubicBezTo>
+                <a:cubicBezTo>
+                  <a:pt x="1297679" y="1323688"/>
+                  <a:pt x="1301748" y="1313027"/>
+                  <a:pt x="1305750" y="1302354"/>
+                </a:cubicBezTo>
+                <a:cubicBezTo>
+                  <a:pt x="1308100" y="1296087"/>
+                  <a:pt x="1308779" y="1289116"/>
+                  <a:pt x="1312100" y="1283304"/>
+                </a:cubicBezTo>
+                <a:cubicBezTo>
+                  <a:pt x="1317351" y="1274115"/>
+                  <a:pt x="1324800" y="1266371"/>
+                  <a:pt x="1331150" y="1257904"/>
+                </a:cubicBezTo>
+                <a:cubicBezTo>
+                  <a:pt x="1335383" y="1243087"/>
+                  <a:pt x="1339422" y="1228214"/>
+                  <a:pt x="1343850" y="1213454"/>
+                </a:cubicBezTo>
+                <a:cubicBezTo>
+                  <a:pt x="1345773" y="1207043"/>
+                  <a:pt x="1349461" y="1201057"/>
+                  <a:pt x="1350200" y="1194404"/>
+                </a:cubicBezTo>
+                <a:cubicBezTo>
+                  <a:pt x="1363870" y="1071377"/>
+                  <a:pt x="1342382" y="1134575"/>
+                  <a:pt x="1369250" y="1067404"/>
+                </a:cubicBezTo>
+                <a:cubicBezTo>
+                  <a:pt x="1371367" y="980621"/>
+                  <a:pt x="1373693" y="893842"/>
+                  <a:pt x="1375600" y="807054"/>
+                </a:cubicBezTo>
+                <a:cubicBezTo>
+                  <a:pt x="1382832" y="477999"/>
+                  <a:pt x="1356218" y="592481"/>
+                  <a:pt x="1388300" y="464154"/>
+                </a:cubicBezTo>
+                <a:cubicBezTo>
+                  <a:pt x="1391357" y="436640"/>
+                  <a:pt x="1394666" y="397407"/>
+                  <a:pt x="1401000" y="368904"/>
+                </a:cubicBezTo>
+                <a:cubicBezTo>
+                  <a:pt x="1404737" y="352086"/>
+                  <a:pt x="1412285" y="339985"/>
+                  <a:pt x="1420050" y="324454"/>
+                </a:cubicBezTo>
+                <a:cubicBezTo>
+                  <a:pt x="1430754" y="270932"/>
+                  <a:pt x="1419382" y="313312"/>
+                  <a:pt x="1439100" y="267304"/>
+                </a:cubicBezTo>
+                <a:cubicBezTo>
+                  <a:pt x="1447984" y="246576"/>
+                  <a:pt x="1443107" y="243914"/>
+                  <a:pt x="1458150" y="222854"/>
+                </a:cubicBezTo>
+                <a:cubicBezTo>
+                  <a:pt x="1463370" y="215546"/>
+                  <a:pt x="1471356" y="210622"/>
+                  <a:pt x="1477200" y="203804"/>
+                </a:cubicBezTo>
+                <a:cubicBezTo>
+                  <a:pt x="1484088" y="195769"/>
+                  <a:pt x="1489362" y="186439"/>
+                  <a:pt x="1496250" y="178404"/>
+                </a:cubicBezTo>
+                <a:cubicBezTo>
+                  <a:pt x="1502094" y="171586"/>
+                  <a:pt x="1510080" y="166662"/>
+                  <a:pt x="1515300" y="159354"/>
+                </a:cubicBezTo>
+                <a:cubicBezTo>
+                  <a:pt x="1557090" y="100848"/>
+                  <a:pt x="1497519" y="164435"/>
+                  <a:pt x="1547050" y="114904"/>
+                </a:cubicBezTo>
+                <a:cubicBezTo>
+                  <a:pt x="1559178" y="78520"/>
+                  <a:pt x="1544201" y="111403"/>
+                  <a:pt x="1578800" y="76804"/>
+                </a:cubicBezTo>
+                <a:cubicBezTo>
+                  <a:pt x="1602228" y="53376"/>
+                  <a:pt x="1579342" y="59510"/>
+                  <a:pt x="1610550" y="38704"/>
+                </a:cubicBezTo>
+                <a:cubicBezTo>
+                  <a:pt x="1616119" y="34991"/>
+                  <a:pt x="1623448" y="34991"/>
+                  <a:pt x="1629600" y="32354"/>
+                </a:cubicBezTo>
+                <a:cubicBezTo>
+                  <a:pt x="1638301" y="28625"/>
+                  <a:pt x="1646137" y="22978"/>
+                  <a:pt x="1655000" y="19654"/>
+                </a:cubicBezTo>
+                <a:cubicBezTo>
+                  <a:pt x="1681183" y="9835"/>
+                  <a:pt x="1730371" y="8196"/>
+                  <a:pt x="1750250" y="6954"/>
+                </a:cubicBezTo>
+                <a:cubicBezTo>
+                  <a:pt x="1861515" y="0"/>
+                  <a:pt x="1849023" y="604"/>
+                  <a:pt x="1921700" y="604"/>
+                </a:cubicBezTo>
+              </a:path>
+            </a:pathLst>
+          </a:custGeom>
+          <a:ln>
+            <a:tailEnd type="triangle"/>
+          </a:ln>
+        </p:spPr>
+        <p:style>
+          <a:lnRef idx="1">
+            <a:schemeClr val="accent1"/>
+          </a:lnRef>
+          <a:fillRef idx="0">
+            <a:schemeClr val="accent1"/>
+          </a:fillRef>
+          <a:effectRef idx="0">
+            <a:schemeClr val="accent1"/>
+          </a:effectRef>
+          <a:fontRef idx="minor">
+            <a:schemeClr val="tx1"/>
+          </a:fontRef>
+        </p:style>
+        <p:txBody>
+          <a:bodyPr rtlCol="0" anchor="ctr"/>
+          <a:lstStyle/>
+          <a:p>
+            <a:pPr algn="ctr"/>
+            <a:endParaRPr lang="ko-KR" altLang="en-US"/>
+          </a:p>
+        </p:txBody>
+      </p:sp>
     </p:spTree>
   </p:cSld>
   <p:clrMapOvr>
@@ -7407,7 +8077,7 @@
         </p:nvSpPr>
         <p:spPr>
           <a:xfrm>
-            <a:off x="357158" y="4214818"/>
+            <a:off x="357158" y="4509682"/>
             <a:ext cx="1851789" cy="338554"/>
           </a:xfrm>
           <a:prstGeom prst="rect">
@@ -7450,7 +8120,7 @@
         </p:blipFill>
         <p:spPr bwMode="auto">
           <a:xfrm>
-            <a:off x="500034" y="571480"/>
+            <a:off x="500034" y="866344"/>
             <a:ext cx="6572296" cy="3500462"/>
           </a:xfrm>
           <a:prstGeom prst="rect">
@@ -7474,7 +8144,7 @@
         </p:nvSpPr>
         <p:spPr>
           <a:xfrm>
-            <a:off x="571472" y="1714488"/>
+            <a:off x="571472" y="2009352"/>
             <a:ext cx="785818" cy="428628"/>
           </a:xfrm>
           <a:prstGeom prst="rect">
@@ -7515,7 +8185,7 @@
         </p:nvSpPr>
         <p:spPr>
           <a:xfrm>
-            <a:off x="2857488" y="857232"/>
+            <a:off x="2857488" y="1152096"/>
             <a:ext cx="4714908" cy="3214710"/>
           </a:xfrm>
           <a:prstGeom prst="roundRect">
@@ -7556,7 +8226,7 @@
         </p:nvCxnSpPr>
         <p:spPr>
           <a:xfrm rot="16200000" flipV="1">
-            <a:off x="35687" y="2893215"/>
+            <a:off x="35687" y="3188079"/>
             <a:ext cx="2143140" cy="500066"/>
           </a:xfrm>
           <a:prstGeom prst="straightConnector1">
@@ -7589,7 +8259,7 @@
         </p:nvCxnSpPr>
         <p:spPr>
           <a:xfrm rot="5400000" flipH="1" flipV="1">
-            <a:off x="3321835" y="4179099"/>
+            <a:off x="3321835" y="4473963"/>
             <a:ext cx="428628" cy="71438"/>
           </a:xfrm>
           <a:prstGeom prst="straightConnector1">
@@ -7622,7 +8292,7 @@
         </p:nvSpPr>
         <p:spPr>
           <a:xfrm>
-            <a:off x="2720211" y="4367218"/>
+            <a:off x="2720211" y="4662082"/>
             <a:ext cx="3428952" cy="338554"/>
           </a:xfrm>
           <a:prstGeom prst="rect">
@@ -7645,6 +8315,48 @@
               <a:t>하기 위한 의존성 설정</a:t>
             </a:r>
             <a:endParaRPr lang="ko-KR" altLang="en-US" sz="1600" dirty="0"/>
+          </a:p>
+        </p:txBody>
+      </p:sp>
+      <p:sp>
+        <p:nvSpPr>
+          <p:cNvPr id="10" name="TextBox 9"/>
+          <p:cNvSpPr txBox="1"/>
+          <p:nvPr/>
+        </p:nvSpPr>
+        <p:spPr>
+          <a:xfrm>
+            <a:off x="285720" y="214290"/>
+            <a:ext cx="3982950" cy="369332"/>
+          </a:xfrm>
+          <a:prstGeom prst="rect">
+            <a:avLst/>
+          </a:prstGeom>
+          <a:noFill/>
+        </p:spPr>
+        <p:txBody>
+          <a:bodyPr wrap="none" rtlCol="0">
+            <a:spAutoFit/>
+          </a:bodyPr>
+          <a:lstStyle/>
+          <a:p>
+            <a:r>
+              <a:rPr lang="en-US" altLang="ko-KR" dirty="0" smtClean="0"/>
+              <a:t>*web service</a:t>
+            </a:r>
+            <a:r>
+              <a:rPr lang="ko-KR" altLang="en-US" dirty="0" smtClean="0"/>
+              <a:t>에서 사용할 </a:t>
+            </a:r>
+            <a:r>
+              <a:rPr lang="en-US" altLang="ko-KR" dirty="0" smtClean="0"/>
+              <a:t>folder </a:t>
+            </a:r>
+            <a:r>
+              <a:rPr lang="ko-KR" altLang="en-US" dirty="0" smtClean="0"/>
+              <a:t>생성</a:t>
+            </a:r>
+            <a:endParaRPr lang="ko-KR" altLang="en-US" dirty="0"/>
           </a:p>
         </p:txBody>
       </p:sp>
@@ -7690,7 +8402,7 @@
         </p:blipFill>
         <p:spPr bwMode="auto">
           <a:xfrm>
-            <a:off x="285720" y="500042"/>
+            <a:off x="285720" y="738197"/>
             <a:ext cx="2886075" cy="4048125"/>
           </a:xfrm>
           <a:prstGeom prst="rect">
@@ -7715,7 +8427,7 @@
         <p:spPr>
           <a:xfrm>
             <a:off x="214282" y="142852"/>
-            <a:ext cx="2425664" cy="369332"/>
+            <a:ext cx="2523448" cy="369332"/>
           </a:xfrm>
           <a:prstGeom prst="rect">
             <a:avLst/>
@@ -7729,8 +8441,16 @@
           <a:lstStyle/>
           <a:p>
             <a:r>
+              <a:rPr lang="en-US" altLang="ko-KR" dirty="0" smtClean="0"/>
+              <a:t>*</a:t>
+            </a:r>
+            <a:r>
               <a:rPr lang="ko-KR" altLang="en-US" dirty="0" smtClean="0"/>
-              <a:t>저장되는 파일의 경로</a:t>
+              <a:t>저장되는 </a:t>
+            </a:r>
+            <a:r>
+              <a:rPr lang="ko-KR" altLang="en-US" dirty="0" smtClean="0"/>
+              <a:t>파일의 경로</a:t>
             </a:r>
             <a:endParaRPr lang="ko-KR" altLang="en-US" dirty="0"/>
           </a:p>
@@ -7744,7 +8464,7 @@
         </p:nvSpPr>
         <p:spPr>
           <a:xfrm>
-            <a:off x="500034" y="1071546"/>
+            <a:off x="500034" y="1309701"/>
             <a:ext cx="1500198" cy="714380"/>
           </a:xfrm>
           <a:prstGeom prst="rect">
@@ -7785,7 +8505,7 @@
         </p:nvCxnSpPr>
         <p:spPr>
           <a:xfrm rot="10800000" flipV="1">
-            <a:off x="1785918" y="857232"/>
+            <a:off x="1785918" y="1095387"/>
             <a:ext cx="714380" cy="285752"/>
           </a:xfrm>
           <a:prstGeom prst="straightConnector1">
@@ -7818,8 +8538,8 @@
         </p:nvSpPr>
         <p:spPr>
           <a:xfrm>
-            <a:off x="2571736" y="714356"/>
-            <a:ext cx="2278188" cy="369332"/>
+            <a:off x="2571736" y="952511"/>
+            <a:ext cx="2441694" cy="369332"/>
           </a:xfrm>
           <a:prstGeom prst="rect">
             <a:avLst/>
@@ -7834,7 +8554,11 @@
           <a:p>
             <a:r>
               <a:rPr lang="en-US" altLang="ko-KR" dirty="0" smtClean="0"/>
-              <a:t>HTML,CSS,JS</a:t>
+              <a:t>HTML</a:t>
+            </a:r>
+            <a:r>
+              <a:rPr lang="en-US" altLang="ko-KR" dirty="0" smtClean="0"/>
+              <a:t>, CSS, JS</a:t>
             </a:r>
             <a:r>
               <a:rPr lang="ko-KR" altLang="en-US" dirty="0" smtClean="0"/>
@@ -7852,7 +8576,7 @@
         </p:nvSpPr>
         <p:spPr>
           <a:xfrm>
-            <a:off x="652434" y="1928802"/>
+            <a:off x="652434" y="2166957"/>
             <a:ext cx="1500198" cy="214314"/>
           </a:xfrm>
           <a:prstGeom prst="rect">
@@ -7893,7 +8617,7 @@
         </p:nvCxnSpPr>
         <p:spPr>
           <a:xfrm rot="10800000" flipV="1">
-            <a:off x="2079498" y="1714487"/>
+            <a:off x="2079498" y="1952642"/>
             <a:ext cx="714380" cy="285752"/>
           </a:xfrm>
           <a:prstGeom prst="straightConnector1">
@@ -7926,7 +8650,7 @@
         </p:nvSpPr>
         <p:spPr>
           <a:xfrm>
-            <a:off x="2865316" y="1571611"/>
+            <a:off x="2749624" y="1714488"/>
             <a:ext cx="1107996" cy="369332"/>
           </a:xfrm>
           <a:prstGeom prst="rect">
@@ -7956,7 +8680,7 @@
         </p:nvSpPr>
         <p:spPr>
           <a:xfrm>
-            <a:off x="642910" y="2928934"/>
+            <a:off x="642910" y="3167089"/>
             <a:ext cx="1500198" cy="571504"/>
           </a:xfrm>
           <a:prstGeom prst="rect">
@@ -7997,7 +8721,7 @@
         </p:nvCxnSpPr>
         <p:spPr>
           <a:xfrm rot="10800000" flipV="1">
-            <a:off x="1643042" y="3071810"/>
+            <a:off x="1643042" y="3309965"/>
             <a:ext cx="1000132" cy="285752"/>
           </a:xfrm>
           <a:prstGeom prst="straightConnector1">
@@ -8030,7 +8754,7 @@
         </p:nvSpPr>
         <p:spPr>
           <a:xfrm>
-            <a:off x="2535310" y="2845354"/>
+            <a:off x="2535310" y="3083509"/>
             <a:ext cx="986167" cy="369332"/>
           </a:xfrm>
           <a:prstGeom prst="rect">
@@ -8064,7 +8788,7 @@
         </p:nvSpPr>
         <p:spPr>
           <a:xfrm>
-            <a:off x="357158" y="714356"/>
+            <a:off x="357158" y="952511"/>
             <a:ext cx="1500198" cy="214314"/>
           </a:xfrm>
           <a:prstGeom prst="rect">
@@ -8105,7 +8829,7 @@
         </p:nvCxnSpPr>
         <p:spPr>
           <a:xfrm rot="10800000" flipV="1">
-            <a:off x="1928794" y="428604"/>
+            <a:off x="1928794" y="666759"/>
             <a:ext cx="714380" cy="285752"/>
           </a:xfrm>
           <a:prstGeom prst="straightConnector1">
@@ -8138,7 +8862,7 @@
         </p:nvSpPr>
         <p:spPr>
           <a:xfrm>
-            <a:off x="2714612" y="285728"/>
+            <a:off x="2714612" y="523883"/>
             <a:ext cx="1993046" cy="369332"/>
           </a:xfrm>
           <a:prstGeom prst="rect">
@@ -8421,7 +9145,7 @@
         <p:spPr>
           <a:xfrm>
             <a:off x="5429256" y="1714488"/>
-            <a:ext cx="3000309" cy="954107"/>
+            <a:ext cx="3205365" cy="954107"/>
           </a:xfrm>
           <a:prstGeom prst="rect">
             <a:avLst/>
@@ -8490,7 +9214,7 @@
             </a:r>
             <a:r>
               <a:rPr lang="ko-KR" altLang="en-US" sz="1400" dirty="0" smtClean="0"/>
-              <a:t>을 사용</a:t>
+              <a:t>을 의존성 주입사용</a:t>
             </a:r>
             <a:endParaRPr lang="ko-KR" altLang="en-US" sz="1400" dirty="0"/>
           </a:p>
